--- a/Resources/Diagrams.pptx
+++ b/Resources/Diagrams.pptx
@@ -265,7 +265,7 @@
           <a:p>
             <a:fld id="{12B718BF-F79B-44B7-8D1E-94AB4E260A71}" type="datetimeFigureOut">
               <a:rPr lang="en-SG" smtClean="0"/>
-              <a:t>23/1/2021</a:t>
+              <a:t>24/1/2021</a:t>
             </a:fld>
             <a:endParaRPr lang="en-SG"/>
           </a:p>
@@ -465,7 +465,7 @@
           <a:p>
             <a:fld id="{12B718BF-F79B-44B7-8D1E-94AB4E260A71}" type="datetimeFigureOut">
               <a:rPr lang="en-SG" smtClean="0"/>
-              <a:t>23/1/2021</a:t>
+              <a:t>24/1/2021</a:t>
             </a:fld>
             <a:endParaRPr lang="en-SG"/>
           </a:p>
@@ -675,7 +675,7 @@
           <a:p>
             <a:fld id="{12B718BF-F79B-44B7-8D1E-94AB4E260A71}" type="datetimeFigureOut">
               <a:rPr lang="en-SG" smtClean="0"/>
-              <a:t>23/1/2021</a:t>
+              <a:t>24/1/2021</a:t>
             </a:fld>
             <a:endParaRPr lang="en-SG"/>
           </a:p>
@@ -875,7 +875,7 @@
           <a:p>
             <a:fld id="{12B718BF-F79B-44B7-8D1E-94AB4E260A71}" type="datetimeFigureOut">
               <a:rPr lang="en-SG" smtClean="0"/>
-              <a:t>23/1/2021</a:t>
+              <a:t>24/1/2021</a:t>
             </a:fld>
             <a:endParaRPr lang="en-SG"/>
           </a:p>
@@ -1151,7 +1151,7 @@
           <a:p>
             <a:fld id="{12B718BF-F79B-44B7-8D1E-94AB4E260A71}" type="datetimeFigureOut">
               <a:rPr lang="en-SG" smtClean="0"/>
-              <a:t>23/1/2021</a:t>
+              <a:t>24/1/2021</a:t>
             </a:fld>
             <a:endParaRPr lang="en-SG"/>
           </a:p>
@@ -1419,7 +1419,7 @@
           <a:p>
             <a:fld id="{12B718BF-F79B-44B7-8D1E-94AB4E260A71}" type="datetimeFigureOut">
               <a:rPr lang="en-SG" smtClean="0"/>
-              <a:t>23/1/2021</a:t>
+              <a:t>24/1/2021</a:t>
             </a:fld>
             <a:endParaRPr lang="en-SG"/>
           </a:p>
@@ -1834,7 +1834,7 @@
           <a:p>
             <a:fld id="{12B718BF-F79B-44B7-8D1E-94AB4E260A71}" type="datetimeFigureOut">
               <a:rPr lang="en-SG" smtClean="0"/>
-              <a:t>23/1/2021</a:t>
+              <a:t>24/1/2021</a:t>
             </a:fld>
             <a:endParaRPr lang="en-SG"/>
           </a:p>
@@ -1976,7 +1976,7 @@
           <a:p>
             <a:fld id="{12B718BF-F79B-44B7-8D1E-94AB4E260A71}" type="datetimeFigureOut">
               <a:rPr lang="en-SG" smtClean="0"/>
-              <a:t>23/1/2021</a:t>
+              <a:t>24/1/2021</a:t>
             </a:fld>
             <a:endParaRPr lang="en-SG"/>
           </a:p>
@@ -2089,7 +2089,7 @@
           <a:p>
             <a:fld id="{12B718BF-F79B-44B7-8D1E-94AB4E260A71}" type="datetimeFigureOut">
               <a:rPr lang="en-SG" smtClean="0"/>
-              <a:t>23/1/2021</a:t>
+              <a:t>24/1/2021</a:t>
             </a:fld>
             <a:endParaRPr lang="en-SG"/>
           </a:p>
@@ -2402,7 +2402,7 @@
           <a:p>
             <a:fld id="{12B718BF-F79B-44B7-8D1E-94AB4E260A71}" type="datetimeFigureOut">
               <a:rPr lang="en-SG" smtClean="0"/>
-              <a:t>23/1/2021</a:t>
+              <a:t>24/1/2021</a:t>
             </a:fld>
             <a:endParaRPr lang="en-SG"/>
           </a:p>
@@ -2691,7 +2691,7 @@
           <a:p>
             <a:fld id="{12B718BF-F79B-44B7-8D1E-94AB4E260A71}" type="datetimeFigureOut">
               <a:rPr lang="en-SG" smtClean="0"/>
-              <a:t>23/1/2021</a:t>
+              <a:t>24/1/2021</a:t>
             </a:fld>
             <a:endParaRPr lang="en-SG"/>
           </a:p>
@@ -2934,7 +2934,7 @@
           <a:p>
             <a:fld id="{12B718BF-F79B-44B7-8D1E-94AB4E260A71}" type="datetimeFigureOut">
               <a:rPr lang="en-SG" smtClean="0"/>
-              <a:t>23/1/2021</a:t>
+              <a:t>24/1/2021</a:t>
             </a:fld>
             <a:endParaRPr lang="en-SG"/>
           </a:p>
@@ -3609,10 +3609,10 @@
       </p:sp>
       <p:pic>
         <p:nvPicPr>
-          <p:cNvPr id="8" name="Picture 7">
-            <a:extLst>
-              <a:ext uri="{FF2B5EF4-FFF2-40B4-BE49-F238E27FC236}">
-                <a16:creationId xmlns:a16="http://schemas.microsoft.com/office/drawing/2014/main" id="{D67CC798-6692-48ED-B98B-58384A247E07}"/>
+          <p:cNvPr id="9" name="Picture 8">
+            <a:extLst>
+              <a:ext uri="{FF2B5EF4-FFF2-40B4-BE49-F238E27FC236}">
+                <a16:creationId xmlns:a16="http://schemas.microsoft.com/office/drawing/2014/main" id="{FD58CC0D-29A0-40F6-816C-273FEC688C77}"/>
               </a:ext>
             </a:extLst>
           </p:cNvPr>
@@ -3623,36 +3623,6 @@
         </p:nvPicPr>
         <p:blipFill>
           <a:blip r:embed="rId2"/>
-          <a:stretch>
-            <a:fillRect/>
-          </a:stretch>
-        </p:blipFill>
-        <p:spPr>
-          <a:xfrm>
-            <a:off x="4772108" y="0"/>
-            <a:ext cx="1008967" cy="2073988"/>
-          </a:xfrm>
-          <a:prstGeom prst="rect">
-            <a:avLst/>
-          </a:prstGeom>
-        </p:spPr>
-      </p:pic>
-      <p:pic>
-        <p:nvPicPr>
-          <p:cNvPr id="9" name="Picture 8">
-            <a:extLst>
-              <a:ext uri="{FF2B5EF4-FFF2-40B4-BE49-F238E27FC236}">
-                <a16:creationId xmlns:a16="http://schemas.microsoft.com/office/drawing/2014/main" id="{FD58CC0D-29A0-40F6-816C-273FEC688C77}"/>
-              </a:ext>
-            </a:extLst>
-          </p:cNvPr>
-          <p:cNvPicPr>
-            <a:picLocks noChangeAspect="1"/>
-          </p:cNvPicPr>
-          <p:nvPr/>
-        </p:nvPicPr>
-        <p:blipFill>
-          <a:blip r:embed="rId3"/>
           <a:stretch>
             <a:fillRect/>
           </a:stretch>
@@ -3682,7 +3652,7 @@
           <p:nvPr/>
         </p:nvPicPr>
         <p:blipFill>
-          <a:blip r:embed="rId4"/>
+          <a:blip r:embed="rId3"/>
           <a:stretch>
             <a:fillRect/>
           </a:stretch>
@@ -3712,7 +3682,7 @@
           <p:nvPr/>
         </p:nvPicPr>
         <p:blipFill>
-          <a:blip r:embed="rId5"/>
+          <a:blip r:embed="rId4"/>
           <a:stretch>
             <a:fillRect/>
           </a:stretch>
@@ -3742,7 +3712,7 @@
           <p:nvPr/>
         </p:nvPicPr>
         <p:blipFill>
-          <a:blip r:embed="rId6"/>
+          <a:blip r:embed="rId5"/>
           <a:stretch>
             <a:fillRect/>
           </a:stretch>
@@ -3772,7 +3742,7 @@
           <p:nvPr/>
         </p:nvPicPr>
         <p:blipFill>
-          <a:blip r:embed="rId7"/>
+          <a:blip r:embed="rId6"/>
           <a:stretch>
             <a:fillRect/>
           </a:stretch>
@@ -3802,7 +3772,7 @@
           <p:nvPr/>
         </p:nvPicPr>
         <p:blipFill>
-          <a:blip r:embed="rId8"/>
+          <a:blip r:embed="rId7"/>
           <a:stretch>
             <a:fillRect/>
           </a:stretch>
@@ -3832,7 +3802,7 @@
           <p:nvPr/>
         </p:nvPicPr>
         <p:blipFill>
-          <a:blip r:embed="rId9"/>
+          <a:blip r:embed="rId8"/>
           <a:stretch>
             <a:fillRect/>
           </a:stretch>
@@ -3862,7 +3832,7 @@
           <p:nvPr/>
         </p:nvPicPr>
         <p:blipFill>
-          <a:blip r:embed="rId10"/>
+          <a:blip r:embed="rId9"/>
           <a:stretch>
             <a:fillRect/>
           </a:stretch>
@@ -3892,7 +3862,7 @@
           <p:nvPr/>
         </p:nvPicPr>
         <p:blipFill>
-          <a:blip r:embed="rId11"/>
+          <a:blip r:embed="rId10"/>
           <a:stretch>
             <a:fillRect/>
           </a:stretch>
@@ -4189,7 +4159,7 @@
           <p:nvPr/>
         </p:nvPicPr>
         <p:blipFill>
-          <a:blip r:embed="rId12"/>
+          <a:blip r:embed="rId11"/>
           <a:stretch>
             <a:fillRect/>
           </a:stretch>
@@ -4219,7 +4189,7 @@
           <p:nvPr/>
         </p:nvPicPr>
         <p:blipFill>
-          <a:blip r:embed="rId13"/>
+          <a:blip r:embed="rId12"/>
           <a:stretch>
             <a:fillRect/>
           </a:stretch>
@@ -4228,6 +4198,36 @@
           <a:xfrm>
             <a:off x="4772108" y="4652556"/>
             <a:ext cx="1003586" cy="2062927"/>
+          </a:xfrm>
+          <a:prstGeom prst="rect">
+            <a:avLst/>
+          </a:prstGeom>
+        </p:spPr>
+      </p:pic>
+      <p:pic>
+        <p:nvPicPr>
+          <p:cNvPr id="20" name="Picture 19">
+            <a:extLst>
+              <a:ext uri="{FF2B5EF4-FFF2-40B4-BE49-F238E27FC236}">
+                <a16:creationId xmlns:a16="http://schemas.microsoft.com/office/drawing/2014/main" id="{2D99BF20-9504-43AF-88F9-D8C8A93E3141}"/>
+              </a:ext>
+            </a:extLst>
+          </p:cNvPr>
+          <p:cNvPicPr>
+            <a:picLocks noChangeAspect="1"/>
+          </p:cNvPicPr>
+          <p:nvPr/>
+        </p:nvPicPr>
+        <p:blipFill>
+          <a:blip r:embed="rId13"/>
+          <a:stretch>
+            <a:fillRect/>
+          </a:stretch>
+        </p:blipFill>
+        <p:spPr>
+          <a:xfrm>
+            <a:off x="4772108" y="6896"/>
+            <a:ext cx="1008967" cy="2073988"/>
           </a:xfrm>
           <a:prstGeom prst="rect">
             <a:avLst/>
